--- a/화면.pptx
+++ b/화면.pptx
@@ -271,7 +271,7 @@
           <a:p>
             <a:fld id="{F6302888-3A84-4727-8EFF-7D36D2377E23}" type="datetimeFigureOut">
               <a:rPr lang="ko-KR" altLang="en-US" smtClean="0"/>
-              <a:t>2022-01-04</a:t>
+              <a:t>2022-01-05</a:t>
             </a:fld>
             <a:endParaRPr lang="ko-KR" altLang="en-US"/>
           </a:p>
@@ -469,7 +469,7 @@
           <a:p>
             <a:fld id="{F6302888-3A84-4727-8EFF-7D36D2377E23}" type="datetimeFigureOut">
               <a:rPr lang="ko-KR" altLang="en-US" smtClean="0"/>
-              <a:t>2022-01-04</a:t>
+              <a:t>2022-01-05</a:t>
             </a:fld>
             <a:endParaRPr lang="ko-KR" altLang="en-US"/>
           </a:p>
@@ -677,7 +677,7 @@
           <a:p>
             <a:fld id="{F6302888-3A84-4727-8EFF-7D36D2377E23}" type="datetimeFigureOut">
               <a:rPr lang="ko-KR" altLang="en-US" smtClean="0"/>
-              <a:t>2022-01-04</a:t>
+              <a:t>2022-01-05</a:t>
             </a:fld>
             <a:endParaRPr lang="ko-KR" altLang="en-US"/>
           </a:p>
@@ -875,7 +875,7 @@
           <a:p>
             <a:fld id="{F6302888-3A84-4727-8EFF-7D36D2377E23}" type="datetimeFigureOut">
               <a:rPr lang="ko-KR" altLang="en-US" smtClean="0"/>
-              <a:t>2022-01-04</a:t>
+              <a:t>2022-01-05</a:t>
             </a:fld>
             <a:endParaRPr lang="ko-KR" altLang="en-US"/>
           </a:p>
@@ -1150,7 +1150,7 @@
           <a:p>
             <a:fld id="{F6302888-3A84-4727-8EFF-7D36D2377E23}" type="datetimeFigureOut">
               <a:rPr lang="ko-KR" altLang="en-US" smtClean="0"/>
-              <a:t>2022-01-04</a:t>
+              <a:t>2022-01-05</a:t>
             </a:fld>
             <a:endParaRPr lang="ko-KR" altLang="en-US"/>
           </a:p>
@@ -1415,7 +1415,7 @@
           <a:p>
             <a:fld id="{F6302888-3A84-4727-8EFF-7D36D2377E23}" type="datetimeFigureOut">
               <a:rPr lang="ko-KR" altLang="en-US" smtClean="0"/>
-              <a:t>2022-01-04</a:t>
+              <a:t>2022-01-05</a:t>
             </a:fld>
             <a:endParaRPr lang="ko-KR" altLang="en-US"/>
           </a:p>
@@ -1827,7 +1827,7 @@
           <a:p>
             <a:fld id="{F6302888-3A84-4727-8EFF-7D36D2377E23}" type="datetimeFigureOut">
               <a:rPr lang="ko-KR" altLang="en-US" smtClean="0"/>
-              <a:t>2022-01-04</a:t>
+              <a:t>2022-01-05</a:t>
             </a:fld>
             <a:endParaRPr lang="ko-KR" altLang="en-US"/>
           </a:p>
@@ -1968,7 +1968,7 @@
           <a:p>
             <a:fld id="{F6302888-3A84-4727-8EFF-7D36D2377E23}" type="datetimeFigureOut">
               <a:rPr lang="ko-KR" altLang="en-US" smtClean="0"/>
-              <a:t>2022-01-04</a:t>
+              <a:t>2022-01-05</a:t>
             </a:fld>
             <a:endParaRPr lang="ko-KR" altLang="en-US"/>
           </a:p>
@@ -2081,7 +2081,7 @@
           <a:p>
             <a:fld id="{F6302888-3A84-4727-8EFF-7D36D2377E23}" type="datetimeFigureOut">
               <a:rPr lang="ko-KR" altLang="en-US" smtClean="0"/>
-              <a:t>2022-01-04</a:t>
+              <a:t>2022-01-05</a:t>
             </a:fld>
             <a:endParaRPr lang="ko-KR" altLang="en-US"/>
           </a:p>
@@ -2392,7 +2392,7 @@
           <a:p>
             <a:fld id="{F6302888-3A84-4727-8EFF-7D36D2377E23}" type="datetimeFigureOut">
               <a:rPr lang="ko-KR" altLang="en-US" smtClean="0"/>
-              <a:t>2022-01-04</a:t>
+              <a:t>2022-01-05</a:t>
             </a:fld>
             <a:endParaRPr lang="ko-KR" altLang="en-US"/>
           </a:p>
@@ -2680,7 +2680,7 @@
           <a:p>
             <a:fld id="{F6302888-3A84-4727-8EFF-7D36D2377E23}" type="datetimeFigureOut">
               <a:rPr lang="ko-KR" altLang="en-US" smtClean="0"/>
-              <a:t>2022-01-04</a:t>
+              <a:t>2022-01-05</a:t>
             </a:fld>
             <a:endParaRPr lang="ko-KR" altLang="en-US"/>
           </a:p>
@@ -2921,7 +2921,7 @@
           <a:p>
             <a:fld id="{F6302888-3A84-4727-8EFF-7D36D2377E23}" type="datetimeFigureOut">
               <a:rPr lang="ko-KR" altLang="en-US" smtClean="0"/>
-              <a:t>2022-01-04</a:t>
+              <a:t>2022-01-05</a:t>
             </a:fld>
             <a:endParaRPr lang="ko-KR" altLang="en-US"/>
           </a:p>
@@ -4771,10 +4771,10 @@
       </p:sp>
       <p:sp>
         <p:nvSpPr>
-          <p:cNvPr id="17" name="TextBox 16">
-            <a:extLst>
-              <a:ext uri="{FF2B5EF4-FFF2-40B4-BE49-F238E27FC236}">
-                <a16:creationId xmlns:a16="http://schemas.microsoft.com/office/drawing/2014/main" id="{AB98979C-9E72-4B97-B8EE-4F4B01B36987}"/>
+          <p:cNvPr id="19" name="TextBox 18">
+            <a:extLst>
+              <a:ext uri="{FF2B5EF4-FFF2-40B4-BE49-F238E27FC236}">
+                <a16:creationId xmlns:a16="http://schemas.microsoft.com/office/drawing/2014/main" id="{7C55DC31-4B14-4741-BED5-ADE8AC804D9C}"/>
               </a:ext>
             </a:extLst>
           </p:cNvPr>
@@ -4783,8 +4783,8 @@
         </p:nvSpPr>
         <p:spPr>
           <a:xfrm>
-            <a:off x="6582879" y="259458"/>
-            <a:ext cx="1210235" cy="369332"/>
+            <a:off x="7297658" y="5618403"/>
+            <a:ext cx="2102224" cy="276999"/>
           </a:xfrm>
           <a:prstGeom prst="rect">
             <a:avLst/>
@@ -4798,42 +4798,6 @@
           <a:lstStyle/>
           <a:p>
             <a:r>
-              <a:rPr lang="ko-KR" altLang="en-US" dirty="0" err="1"/>
-              <a:t>년월일</a:t>
-            </a:r>
-            <a:endParaRPr lang="ko-KR" altLang="en-US" dirty="0"/>
-          </a:p>
-        </p:txBody>
-      </p:sp>
-      <p:sp>
-        <p:nvSpPr>
-          <p:cNvPr id="19" name="TextBox 18">
-            <a:extLst>
-              <a:ext uri="{FF2B5EF4-FFF2-40B4-BE49-F238E27FC236}">
-                <a16:creationId xmlns:a16="http://schemas.microsoft.com/office/drawing/2014/main" id="{7C55DC31-4B14-4741-BED5-ADE8AC804D9C}"/>
-              </a:ext>
-            </a:extLst>
-          </p:cNvPr>
-          <p:cNvSpPr txBox="1"/>
-          <p:nvPr/>
-        </p:nvSpPr>
-        <p:spPr>
-          <a:xfrm>
-            <a:off x="7297658" y="5618403"/>
-            <a:ext cx="2102224" cy="276999"/>
-          </a:xfrm>
-          <a:prstGeom prst="rect">
-            <a:avLst/>
-          </a:prstGeom>
-          <a:noFill/>
-        </p:spPr>
-        <p:txBody>
-          <a:bodyPr wrap="square" rtlCol="0">
-            <a:spAutoFit/>
-          </a:bodyPr>
-          <a:lstStyle/>
-          <a:p>
-            <a:r>
               <a:rPr lang="ko-KR" altLang="en-US" sz="1200" dirty="0" err="1"/>
               <a:t>클릭시</a:t>
             </a:r>
@@ -4849,49 +4813,6 @@
           </a:p>
         </p:txBody>
       </p:sp>
-      <p:cxnSp>
-        <p:nvCxnSpPr>
-          <p:cNvPr id="24" name="직선 연결선 23">
-            <a:extLst>
-              <a:ext uri="{FF2B5EF4-FFF2-40B4-BE49-F238E27FC236}">
-                <a16:creationId xmlns:a16="http://schemas.microsoft.com/office/drawing/2014/main" id="{C42E26FE-338C-46A2-93DD-05927097290F}"/>
-              </a:ext>
-            </a:extLst>
-          </p:cNvPr>
-          <p:cNvCxnSpPr>
-            <a:cxnSpLocks/>
-          </p:cNvCxnSpPr>
-          <p:nvPr/>
-        </p:nvCxnSpPr>
-        <p:spPr>
-          <a:xfrm>
-            <a:off x="6573371" y="1184231"/>
-            <a:ext cx="3092665" cy="0"/>
-          </a:xfrm>
-          <a:prstGeom prst="line">
-            <a:avLst/>
-          </a:prstGeom>
-          <a:ln w="15875">
-            <a:solidFill>
-              <a:schemeClr val="tx1"/>
-            </a:solidFill>
-          </a:ln>
-        </p:spPr>
-        <p:style>
-          <a:lnRef idx="1">
-            <a:schemeClr val="accent1"/>
-          </a:lnRef>
-          <a:fillRef idx="0">
-            <a:schemeClr val="accent1"/>
-          </a:fillRef>
-          <a:effectRef idx="0">
-            <a:schemeClr val="accent1"/>
-          </a:effectRef>
-          <a:fontRef idx="minor">
-            <a:schemeClr val="tx1"/>
-          </a:fontRef>
-        </p:style>
-      </p:cxnSp>
       <p:sp>
         <p:nvSpPr>
           <p:cNvPr id="26" name="직사각형 25">
@@ -4950,42 +4871,6 @@
       </p:sp>
       <p:sp>
         <p:nvSpPr>
-          <p:cNvPr id="27" name="TextBox 26">
-            <a:extLst>
-              <a:ext uri="{FF2B5EF4-FFF2-40B4-BE49-F238E27FC236}">
-                <a16:creationId xmlns:a16="http://schemas.microsoft.com/office/drawing/2014/main" id="{4EADD001-5B37-41E6-8BD4-6CECA5492103}"/>
-              </a:ext>
-            </a:extLst>
-          </p:cNvPr>
-          <p:cNvSpPr txBox="1"/>
-          <p:nvPr/>
-        </p:nvSpPr>
-        <p:spPr>
-          <a:xfrm>
-            <a:off x="2051271" y="330966"/>
-            <a:ext cx="1210235" cy="369332"/>
-          </a:xfrm>
-          <a:prstGeom prst="rect">
-            <a:avLst/>
-          </a:prstGeom>
-          <a:noFill/>
-        </p:spPr>
-        <p:txBody>
-          <a:bodyPr wrap="square" rtlCol="0">
-            <a:spAutoFit/>
-          </a:bodyPr>
-          <a:lstStyle/>
-          <a:p>
-            <a:r>
-              <a:rPr lang="en-US" altLang="ko-KR" dirty="0"/>
-              <a:t>Today</a:t>
-            </a:r>
-            <a:endParaRPr lang="ko-KR" altLang="en-US" dirty="0"/>
-          </a:p>
-        </p:txBody>
-      </p:sp>
-      <p:sp>
-        <p:nvSpPr>
           <p:cNvPr id="28" name="직사각형 27">
             <a:extLst>
               <a:ext uri="{FF2B5EF4-FFF2-40B4-BE49-F238E27FC236}">
@@ -5214,7 +5099,7 @@
         </p:nvSpPr>
         <p:spPr>
           <a:xfrm>
-            <a:off x="6673124" y="5691816"/>
+            <a:off x="5960746" y="425936"/>
             <a:ext cx="148543" cy="124612"/>
           </a:xfrm>
           <a:prstGeom prst="ellipse">
@@ -5262,7 +5147,7 @@
         </p:nvCxnSpPr>
         <p:spPr>
           <a:xfrm>
-            <a:off x="6747395" y="5761857"/>
+            <a:off x="6035017" y="488242"/>
             <a:ext cx="285001" cy="0"/>
           </a:xfrm>
           <a:prstGeom prst="line">
@@ -5303,7 +5188,7 @@
         </p:nvSpPr>
         <p:spPr>
           <a:xfrm>
-            <a:off x="6696159" y="1371156"/>
+            <a:off x="6714737" y="409447"/>
             <a:ext cx="1703123" cy="369332"/>
           </a:xfrm>
           <a:prstGeom prst="rect">
@@ -5425,6 +5310,42 @@
               <a:rPr lang="ko-KR" altLang="en-US" dirty="0"/>
               <a:t>개 남음</a:t>
             </a:r>
+          </a:p>
+        </p:txBody>
+      </p:sp>
+      <p:sp>
+        <p:nvSpPr>
+          <p:cNvPr id="17" name="TextBox 16">
+            <a:extLst>
+              <a:ext uri="{FF2B5EF4-FFF2-40B4-BE49-F238E27FC236}">
+                <a16:creationId xmlns:a16="http://schemas.microsoft.com/office/drawing/2014/main" id="{AB98979C-9E72-4B97-B8EE-4F4B01B36987}"/>
+              </a:ext>
+            </a:extLst>
+          </p:cNvPr>
+          <p:cNvSpPr txBox="1"/>
+          <p:nvPr/>
+        </p:nvSpPr>
+        <p:spPr>
+          <a:xfrm>
+            <a:off x="2033945" y="322507"/>
+            <a:ext cx="1210235" cy="369332"/>
+          </a:xfrm>
+          <a:prstGeom prst="rect">
+            <a:avLst/>
+          </a:prstGeom>
+          <a:noFill/>
+        </p:spPr>
+        <p:txBody>
+          <a:bodyPr wrap="square" rtlCol="0">
+            <a:spAutoFit/>
+          </a:bodyPr>
+          <a:lstStyle/>
+          <a:p>
+            <a:r>
+              <a:rPr lang="ko-KR" altLang="en-US" dirty="0" err="1"/>
+              <a:t>년월일</a:t>
+            </a:r>
+            <a:endParaRPr lang="ko-KR" altLang="en-US" dirty="0"/>
           </a:p>
         </p:txBody>
       </p:sp>
@@ -9363,7 +9284,7 @@
         </p:nvSpPr>
         <p:spPr>
           <a:xfrm>
-            <a:off x="2210421" y="3869197"/>
+            <a:off x="2166157" y="3937294"/>
             <a:ext cx="3464238" cy="1272989"/>
           </a:xfrm>
           <a:prstGeom prst="rect">
